--- a/Programming with C#/5. C# Data Structures and Algorithms/06. Data Structures Efficiency/Data-Structures-Efficiency.pptx
+++ b/Programming with C#/5. C# Data Structures and Algorithms/06. Data Structures Efficiency/Data-Structures-Efficiency.pptx
@@ -303,7 +303,7 @@
             <a:fld id="{3BF7C7B5-275F-4D1F-9AB4-9255447DBC73}" type="datetimeFigureOut">
               <a:rPr lang="en-US"/>
               <a:pPr/>
-              <a:t>3/28/2014</a:t>
+              <a:t>8/27/2014</a:t>
             </a:fld>
             <a:endParaRPr lang="en-US" dirty="0"/>
           </a:p>
@@ -534,7 +534,7 @@
             <a:fld id="{9B46F231-FB2B-4655-A644-E2477325E686}" type="datetimeFigureOut">
               <a:rPr lang="en-US"/>
               <a:pPr/>
-              <a:t>3/28/2014</a:t>
+              <a:t>8/27/2014</a:t>
             </a:fld>
             <a:endParaRPr lang="en-US" dirty="0"/>
           </a:p>
@@ -6442,154 +6442,6 @@
           <a:chExt cx="0" cy="0"/>
         </a:xfrm>
       </p:grpSpPr>
-      <p:sp>
-        <p:nvSpPr>
-          <p:cNvPr id="14" name="Text Placeholder 4"/>
-          <p:cNvSpPr>
-            <a:spLocks noGrp="1"/>
-          </p:cNvSpPr>
-          <p:nvPr>
-            <p:ph type="body" sz="quarter" idx="10"/>
-          </p:nvPr>
-        </p:nvSpPr>
-        <p:spPr>
-          <a:xfrm>
-            <a:off x="419099" y="4572000"/>
-            <a:ext cx="3853295" cy="533400"/>
-          </a:xfrm>
-        </p:spPr>
-        <p:txBody>
-          <a:bodyPr/>
-          <a:lstStyle/>
-          <a:p>
-            <a:r>
-              <a:rPr lang="en-US" dirty="0" smtClean="0"/>
-              <a:t>Svetlin Nakov</a:t>
-            </a:r>
-            <a:endParaRPr lang="en-US" dirty="0"/>
-          </a:p>
-        </p:txBody>
-      </p:sp>
-      <p:sp>
-        <p:nvSpPr>
-          <p:cNvPr id="15" name="Text Placeholder 5"/>
-          <p:cNvSpPr>
-            <a:spLocks noGrp="1"/>
-          </p:cNvSpPr>
-          <p:nvPr>
-            <p:ph type="body" sz="quarter" idx="11"/>
-          </p:nvPr>
-        </p:nvSpPr>
-        <p:spPr>
-          <a:xfrm>
-            <a:off x="457200" y="5833646"/>
-            <a:ext cx="3810000" cy="369332"/>
-          </a:xfrm>
-        </p:spPr>
-        <p:txBody>
-          <a:bodyPr/>
-          <a:lstStyle/>
-          <a:p>
-            <a:r>
-              <a:rPr lang="en-US" dirty="0" smtClean="0"/>
-              <a:t>Telerik Software Academy</a:t>
-            </a:r>
-            <a:endParaRPr lang="en-US" dirty="0"/>
-          </a:p>
-        </p:txBody>
-      </p:sp>
-      <p:sp>
-        <p:nvSpPr>
-          <p:cNvPr id="16" name="Text Placeholder 6"/>
-          <p:cNvSpPr>
-            <a:spLocks noGrp="1"/>
-          </p:cNvSpPr>
-          <p:nvPr>
-            <p:ph type="body" sz="quarter" idx="12"/>
-          </p:nvPr>
-        </p:nvSpPr>
-        <p:spPr>
-          <a:xfrm>
-            <a:off x="457200" y="6138446"/>
-            <a:ext cx="3810000" cy="338554"/>
-          </a:xfrm>
-        </p:spPr>
-        <p:txBody>
-          <a:bodyPr/>
-          <a:lstStyle/>
-          <a:p>
-            <a:r>
-              <a:rPr lang="en-US" dirty="0" smtClean="0">
-                <a:hlinkClick r:id="rId3"/>
-              </a:rPr>
-              <a:t>academy.telerik.com</a:t>
-            </a:r>
-            <a:r>
-              <a:rPr lang="en-US" dirty="0" smtClean="0"/>
-              <a:t>   </a:t>
-            </a:r>
-            <a:endParaRPr lang="en-US" dirty="0"/>
-          </a:p>
-        </p:txBody>
-      </p:sp>
-      <p:sp>
-        <p:nvSpPr>
-          <p:cNvPr id="4" name="Text Placeholder 3"/>
-          <p:cNvSpPr>
-            <a:spLocks noGrp="1"/>
-          </p:cNvSpPr>
-          <p:nvPr>
-            <p:ph type="body" sz="quarter" idx="13"/>
-          </p:nvPr>
-        </p:nvSpPr>
-        <p:spPr>
-          <a:xfrm>
-            <a:off x="431800" y="5029200"/>
-            <a:ext cx="3838864" cy="461665"/>
-          </a:xfrm>
-        </p:spPr>
-        <p:txBody>
-          <a:bodyPr/>
-          <a:lstStyle/>
-          <a:p>
-            <a:r>
-              <a:rPr lang="en-US" dirty="0" smtClean="0"/>
-              <a:t>Technical Trainer</a:t>
-            </a:r>
-            <a:endParaRPr lang="en-US" dirty="0"/>
-          </a:p>
-        </p:txBody>
-      </p:sp>
-      <p:sp>
-        <p:nvSpPr>
-          <p:cNvPr id="6" name="Text Placeholder 5"/>
-          <p:cNvSpPr>
-            <a:spLocks noGrp="1"/>
-          </p:cNvSpPr>
-          <p:nvPr>
-            <p:ph type="body" sz="quarter" idx="14"/>
-          </p:nvPr>
-        </p:nvSpPr>
-        <p:spPr>
-          <a:xfrm>
-            <a:off x="457200" y="5405735"/>
-            <a:ext cx="3810000" cy="369332"/>
-          </a:xfrm>
-        </p:spPr>
-        <p:txBody>
-          <a:bodyPr/>
-          <a:lstStyle/>
-          <a:p>
-            <a:r>
-              <a:rPr lang="en-US" sz="1800" dirty="0" smtClean="0">
-                <a:hlinkClick r:id="rId4"/>
-              </a:rPr>
-              <a:t>www.nakov.com</a:t>
-            </a:r>
-            <a:endParaRPr lang="en-US" sz="1800" dirty="0"/>
-          </a:p>
-        </p:txBody>
-      </p:sp>
       <p:pic>
         <p:nvPicPr>
           <p:cNvPr id="17" name="Picture 5"/>
@@ -6599,7 +6451,7 @@
           <p:nvPr/>
         </p:nvPicPr>
         <p:blipFill>
-          <a:blip r:embed="rId5">
+          <a:blip r:embed="rId3">
             <a:extLst>
               <a:ext uri="{28A0092B-C50C-407E-A947-70E740481C1C}">
                 <a14:useLocalDpi xmlns:a14="http://schemas.microsoft.com/office/drawing/2010/main"/>
@@ -6657,7 +6509,7 @@
       <p:pic>
         <p:nvPicPr>
           <p:cNvPr id="19" name="Picture 18">
-            <a:hlinkClick r:id="rId6"/>
+            <a:hlinkClick r:id="rId4"/>
           </p:cNvPr>
           <p:cNvPicPr>
             <a:picLocks noChangeAspect="1"/>
@@ -6665,7 +6517,7 @@
           <p:nvPr/>
         </p:nvPicPr>
         <p:blipFill>
-          <a:blip r:embed="rId7" cstate="screen">
+          <a:blip r:embed="rId5" cstate="screen">
             <a:extLst>
               <a:ext uri="{28A0092B-C50C-407E-A947-70E740481C1C}">
                 <a14:useLocalDpi xmlns:a14="http://schemas.microsoft.com/office/drawing/2010/main"/>
@@ -6678,7 +6530,7 @@
         </p:blipFill>
         <p:spPr>
           <a:xfrm>
-            <a:off x="3639561" y="4930832"/>
+            <a:off x="457200" y="3966207"/>
             <a:ext cx="1227557" cy="1170374"/>
           </a:xfrm>
           <a:prstGeom prst="rect">
@@ -6756,7 +6608,7 @@
           <p:nvPr/>
         </p:nvPicPr>
         <p:blipFill>
-          <a:blip r:embed="rId8" cstate="screen">
+          <a:blip r:embed="rId6" cstate="screen">
             <a:extLst>
               <a:ext uri="{28A0092B-C50C-407E-A947-70E740481C1C}">
                 <a14:useLocalDpi xmlns:a14="http://schemas.microsoft.com/office/drawing/2010/main"/>
@@ -6800,7 +6652,7 @@
           <p:nvPr/>
         </p:nvPicPr>
         <p:blipFill>
-          <a:blip r:embed="rId9">
+          <a:blip r:embed="rId7">
             <a:extLst>
               <a:ext uri="{28A0092B-C50C-407E-A947-70E740481C1C}">
                 <a14:useLocalDpi xmlns:a14="http://schemas.microsoft.com/office/drawing/2010/main"/>
@@ -6829,6 +6681,70 @@
             </a:glow>
             <a:softEdge rad="0"/>
           </a:effectLst>
+        </p:spPr>
+      </p:pic>
+      <p:pic>
+        <p:nvPicPr>
+          <p:cNvPr id="18" name="Picture 3"/>
+          <p:cNvPicPr>
+            <a:picLocks noChangeAspect="1" noChangeArrowheads="1"/>
+          </p:cNvPicPr>
+          <p:nvPr/>
+        </p:nvPicPr>
+        <p:blipFill>
+          <a:blip r:embed="rId8">
+            <a:extLst>
+              <a:ext uri="{28A0092B-C50C-407E-A947-70E740481C1C}">
+                <a14:useLocalDpi xmlns:a14="http://schemas.microsoft.com/office/drawing/2010/main" val="0"/>
+              </a:ext>
+            </a:extLst>
+          </a:blip>
+          <a:srcRect/>
+          <a:stretch>
+            <a:fillRect/>
+          </a:stretch>
+        </p:blipFill>
+        <p:spPr bwMode="auto">
+          <a:xfrm>
+            <a:off x="276811" y="5145546"/>
+            <a:ext cx="4718050" cy="1225550"/>
+          </a:xfrm>
+          <a:prstGeom prst="rect">
+            <a:avLst/>
+          </a:prstGeom>
+          <a:noFill/>
+          <a:ln>
+            <a:noFill/>
+          </a:ln>
+          <a:effectLst/>
+          <a:extLst>
+            <a:ext uri="{909E8E84-426E-40DD-AFC4-6F175D3DCCD1}">
+              <a14:hiddenFill xmlns:a14="http://schemas.microsoft.com/office/drawing/2010/main">
+                <a:solidFill>
+                  <a:schemeClr val="accent1"/>
+                </a:solidFill>
+              </a14:hiddenFill>
+            </a:ext>
+            <a:ext uri="{91240B29-F687-4F45-9708-019B960494DF}">
+              <a14:hiddenLine xmlns:a14="http://schemas.microsoft.com/office/drawing/2010/main" w="9525">
+                <a:solidFill>
+                  <a:schemeClr val="tx1"/>
+                </a:solidFill>
+                <a:miter lim="800000"/>
+                <a:headEnd/>
+                <a:tailEnd/>
+              </a14:hiddenLine>
+            </a:ext>
+            <a:ext uri="{AF507438-7753-43E0-B8FC-AC1667EBCBE1}">
+              <a14:hiddenEffects xmlns:a14="http://schemas.microsoft.com/office/drawing/2010/main">
+                <a:effectLst>
+                  <a:outerShdw dist="35921" dir="2700000" algn="ctr" rotWithShape="0">
+                    <a:schemeClr val="bg2"/>
+                  </a:outerShdw>
+                </a:effectLst>
+              </a14:hiddenEffects>
+            </a:ext>
+          </a:extLst>
         </p:spPr>
       </p:pic>
     </p:spTree>
